--- a/themenLV.pptx
+++ b/themenLV.pptx
@@ -20634,7 +20634,7 @@
         <p:spPr>
           <a:xfrm>
             <a:off x="740779" y="1126167"/>
-            <a:ext cx="9457106" cy="1477328"/>
+            <a:ext cx="9457106" cy="2862322"/>
           </a:xfrm>
           <a:prstGeom prst="rect">
             <a:avLst/>
@@ -20653,6 +20653,18 @@
             </a:r>
           </a:p>
           <a:p>
+            <a:r>
+              <a:rPr lang="de-DE" dirty="0"/>
+              <a:t>Kann problematisch sein, da begrenzter Datensatz</a:t>
+            </a:r>
+          </a:p>
+          <a:p>
+            <a:r>
+              <a:rPr lang="de-DE" dirty="0"/>
+              <a:t>Allerdings häufig sehr allgemeine Zusammenhänge oder etablierte Entscheidungen</a:t>
+            </a:r>
+          </a:p>
+          <a:p>
             <a:endParaRPr lang="de-DE" dirty="0"/>
           </a:p>
           <a:p>
@@ -20662,6 +20674,18 @@
             </a:r>
           </a:p>
           <a:p>
+            <a:r>
+              <a:rPr lang="de-DE" dirty="0"/>
+              <a:t>Nur generierte Daten, daher nicht mit echten vergleichbar</a:t>
+            </a:r>
+          </a:p>
+          <a:p>
+            <a:r>
+              <a:rPr lang="de-DE" dirty="0"/>
+              <a:t>Gefundene Zusammenhänge aber trotzdem auch auf echte Daten anwendbar</a:t>
+            </a:r>
+          </a:p>
+          <a:p>
             <a:endParaRPr lang="de-DE" dirty="0"/>
           </a:p>
           <a:p>
@@ -20672,6 +20696,12 @@
             <a:r>
               <a:rPr lang="de-DE" dirty="0"/>
               <a:t> Compliance:</a:t>
+            </a:r>
+          </a:p>
+          <a:p>
+            <a:r>
+              <a:rPr lang="de-DE" dirty="0"/>
+              <a:t>Stellt kein Problem dar, Nutzung sehr gut </a:t>
             </a:r>
           </a:p>
         </p:txBody>
@@ -22219,6 +22249,15 @@
 </file>
 
 <file path=customXml/item1.xml><?xml version="1.0" encoding="utf-8"?>
+<p:properties xmlns:p="http://schemas.microsoft.com/office/2006/metadata/properties" xmlns:xsi="http://www.w3.org/2001/XMLSchema-instance" xmlns:pc="http://schemas.microsoft.com/office/infopath/2007/PartnerControls">
+  <documentManagement>
+    <_ip_UnifiedCompliancePolicyUIAction xmlns="http://schemas.microsoft.com/sharepoint/v3" xsi:nil="true"/>
+    <_ip_UnifiedCompliancePolicyProperties xmlns="http://schemas.microsoft.com/sharepoint/v3" xsi:nil="true"/>
+  </documentManagement>
+</p:properties>
+</file>
+
+<file path=customXml/item2.xml><?xml version="1.0" encoding="utf-8"?>
 <ct:contentTypeSchema xmlns:ct="http://schemas.microsoft.com/office/2006/metadata/contentType" xmlns:ma="http://schemas.microsoft.com/office/2006/metadata/properties/metaAttributes" ct:_="" ma:_="" ma:contentTypeName="Document" ma:contentTypeID="0x010100DEEA25CC0A0AC24199CDC46C25B8B0BC" ma:contentTypeVersion="9" ma:contentTypeDescription="Create a new document." ma:contentTypeScope="" ma:versionID="76e25e1730b4532ab1d5e5b131a96a5a">
   <xsd:schema xmlns:xsd="http://www.w3.org/2001/XMLSchema" xmlns:xs="http://www.w3.org/2001/XMLSchema" xmlns:p="http://schemas.microsoft.com/office/2006/metadata/properties" xmlns:ns1="http://schemas.microsoft.com/sharepoint/v3" xmlns:ns2="6dc4bcd6-49db-4c07-9060-8acfc67cef9f" xmlns:ns3="fb0879af-3eba-417a-a55a-ffe6dcd6ca77" targetNamespace="http://schemas.microsoft.com/office/2006/metadata/properties" ma:root="true" ma:fieldsID="ad1e9281a84c4949647088091c718de3" ns1:_="" ns2:_="" ns3:_="">
     <xsd:import namespace="http://schemas.microsoft.com/sharepoint/v3"/>
@@ -22420,16 +22459,25 @@
 </ct:contentTypeSchema>
 </file>
 
-<file path=customXml/item2.xml><?xml version="1.0" encoding="utf-8"?>
-<p:properties xmlns:p="http://schemas.microsoft.com/office/2006/metadata/properties" xmlns:xsi="http://www.w3.org/2001/XMLSchema-instance" xmlns:pc="http://schemas.microsoft.com/office/infopath/2007/PartnerControls">
-  <documentManagement>
-    <_ip_UnifiedCompliancePolicyUIAction xmlns="http://schemas.microsoft.com/sharepoint/v3" xsi:nil="true"/>
-    <_ip_UnifiedCompliancePolicyProperties xmlns="http://schemas.microsoft.com/sharepoint/v3" xsi:nil="true"/>
-  </documentManagement>
-</p:properties>
+<file path=customXml/itemProps1.xml><?xml version="1.0" encoding="utf-8"?>
+<ds:datastoreItem xmlns:ds="http://schemas.openxmlformats.org/officeDocument/2006/customXml" ds:itemID="{EB2218FC-8412-44B9-9E82-D51F1F531141}">
+  <ds:schemaRefs>
+    <ds:schemaRef ds:uri="http://purl.org/dc/elements/1.1/"/>
+    <ds:schemaRef ds:uri="http://schemas.microsoft.com/sharepoint/v3"/>
+    <ds:schemaRef ds:uri="http://schemas.microsoft.com/office/2006/documentManagement/types"/>
+    <ds:schemaRef ds:uri="fb0879af-3eba-417a-a55a-ffe6dcd6ca77"/>
+    <ds:schemaRef ds:uri="http://schemas.microsoft.com/office/2006/metadata/properties"/>
+    <ds:schemaRef ds:uri="http://schemas.microsoft.com/office/infopath/2007/PartnerControls"/>
+    <ds:schemaRef ds:uri="6dc4bcd6-49db-4c07-9060-8acfc67cef9f"/>
+    <ds:schemaRef ds:uri="http://www.w3.org/XML/1998/namespace"/>
+    <ds:schemaRef ds:uri="http://schemas.openxmlformats.org/package/2006/metadata/core-properties"/>
+    <ds:schemaRef ds:uri="http://purl.org/dc/dcmitype/"/>
+    <ds:schemaRef ds:uri="http://purl.org/dc/terms/"/>
+  </ds:schemaRefs>
+</ds:datastoreItem>
 </file>
 
-<file path=customXml/itemProps1.xml><?xml version="1.0" encoding="utf-8"?>
+<file path=customXml/itemProps2.xml><?xml version="1.0" encoding="utf-8"?>
 <ds:datastoreItem xmlns:ds="http://schemas.openxmlformats.org/officeDocument/2006/customXml" ds:itemID="{B64A4C9D-F801-4923-BC6D-E0006F512331}">
   <ds:schemaRefs>
     <ds:schemaRef ds:uri="http://schemas.microsoft.com/office/2006/metadata/contentType"/>
@@ -22447,22 +22495,4 @@
     <ds:schemaRef ds:uri="http://schemas.microsoft.com/internal/obd"/>
   </ds:schemaRefs>
 </ds:datastoreItem>
-</file>
-
-<file path=customXml/itemProps2.xml><?xml version="1.0" encoding="utf-8"?>
-<ds:datastoreItem xmlns:ds="http://schemas.openxmlformats.org/officeDocument/2006/customXml" ds:itemID="{EB2218FC-8412-44B9-9E82-D51F1F531141}">
-  <ds:schemaRefs>
-    <ds:schemaRef ds:uri="http://purl.org/dc/elements/1.1/"/>
-    <ds:schemaRef ds:uri="http://schemas.microsoft.com/sharepoint/v3"/>
-    <ds:schemaRef ds:uri="http://schemas.microsoft.com/office/2006/documentManagement/types"/>
-    <ds:schemaRef ds:uri="fb0879af-3eba-417a-a55a-ffe6dcd6ca77"/>
-    <ds:schemaRef ds:uri="http://schemas.microsoft.com/office/2006/metadata/properties"/>
-    <ds:schemaRef ds:uri="http://schemas.microsoft.com/office/infopath/2007/PartnerControls"/>
-    <ds:schemaRef ds:uri="6dc4bcd6-49db-4c07-9060-8acfc67cef9f"/>
-    <ds:schemaRef ds:uri="http://www.w3.org/XML/1998/namespace"/>
-    <ds:schemaRef ds:uri="http://schemas.openxmlformats.org/package/2006/metadata/core-properties"/>
-    <ds:schemaRef ds:uri="http://purl.org/dc/dcmitype/"/>
-    <ds:schemaRef ds:uri="http://purl.org/dc/terms/"/>
-  </ds:schemaRefs>
-</ds:datastoreItem>
 </file>